--- a/팀과제 자료/스마트커뮤니티 - 기초데이터수집.pptx
+++ b/팀과제 자료/스마트커뮤니티 - 기초데이터수집.pptx
@@ -13846,8 +13846,8 @@
         </p:nvSpPr>
         <p:spPr>
           <a:xfrm>
-            <a:off x="827584" y="1052736"/>
-            <a:ext cx="4032448" cy="2862322"/>
+            <a:off x="827584" y="1092800"/>
+            <a:ext cx="4032448" cy="3970318"/>
           </a:xfrm>
           <a:prstGeom prst="rect">
             <a:avLst/>
@@ -13940,15 +13940,50 @@
                   <a:schemeClr val="bg1"/>
                 </a:solidFill>
               </a:rPr>
-              <a:t>왓챠플레이</a:t>
+              <a:t>데브피아</a:t>
+            </a:r>
+            <a:r>
+              <a:rPr lang="en-US" altLang="ko-KR">
+                <a:solidFill>
+                  <a:schemeClr val="bg1"/>
+                </a:solidFill>
+              </a:rPr>
+              <a:t>(</a:t>
+            </a:r>
+            <a:r>
+              <a:rPr lang="en-US" altLang="ko-KR">
+                <a:solidFill>
+                  <a:schemeClr val="bg1"/>
+                </a:solidFill>
+                <a:hlinkClick r:id="rId3"/>
+              </a:rPr>
+              <a:t>http://</a:t>
+            </a:r>
+            <a:r>
+              <a:rPr lang="en-US" altLang="ko-KR">
+                <a:solidFill>
+                  <a:schemeClr val="bg1"/>
+                </a:solidFill>
+                <a:hlinkClick r:id="rId3"/>
+              </a:rPr>
+              <a:t>www.devpia.com</a:t>
             </a:r>
             <a:r>
               <a:rPr lang="en-US" altLang="ko-KR" smtClean="0">
                 <a:solidFill>
                   <a:schemeClr val="bg1"/>
                 </a:solidFill>
-              </a:rPr>
-              <a:t>()</a:t>
+                <a:hlinkClick r:id="rId3"/>
+              </a:rPr>
+              <a:t>/</a:t>
+            </a:r>
+            <a:r>
+              <a:rPr lang="en-US" altLang="ko-KR" smtClean="0">
+                <a:solidFill>
+                  <a:schemeClr val="bg1"/>
+                </a:solidFill>
+              </a:rPr>
+              <a:t>)</a:t>
             </a:r>
           </a:p>
           <a:p>
@@ -13965,7 +14000,23 @@
                   <a:schemeClr val="bg1"/>
                 </a:solidFill>
               </a:rPr>
-              <a:t>정부 </a:t>
+              <a:t>게임잡</a:t>
+            </a:r>
+            <a:r>
+              <a:rPr lang="en-US" altLang="ko-KR">
+                <a:solidFill>
+                  <a:schemeClr val="bg1"/>
+                </a:solidFill>
+              </a:rPr>
+              <a:t>(http://</a:t>
+            </a:r>
+            <a:r>
+              <a:rPr lang="en-US" altLang="ko-KR">
+                <a:solidFill>
+                  <a:schemeClr val="bg1"/>
+                </a:solidFill>
+              </a:rPr>
+              <a:t>gamejob.co.kr</a:t>
             </a:r>
             <a:r>
               <a:rPr lang="en-US" altLang="ko-KR" smtClean="0">
@@ -13973,7 +14024,41 @@
                   <a:schemeClr val="bg1"/>
                 </a:solidFill>
               </a:rPr>
-              <a:t>24(gov.kr/)</a:t>
+              <a:t>/)</a:t>
+            </a:r>
+            <a:endParaRPr lang="en-US" altLang="ko-KR">
+              <a:solidFill>
+                <a:schemeClr val="bg1"/>
+              </a:solidFill>
+            </a:endParaRPr>
+          </a:p>
+          <a:p>
+            <a:pPr marL="342900" indent="-342900">
+              <a:lnSpc>
+                <a:spcPct val="200000"/>
+              </a:lnSpc>
+              <a:buFont typeface="Wingdings" pitchFamily="2" charset="2"/>
+              <a:buChar char="v"/>
+            </a:pPr>
+            <a:endParaRPr lang="en-US" altLang="ko-KR" smtClean="0">
+              <a:solidFill>
+                <a:schemeClr val="bg1"/>
+              </a:solidFill>
+            </a:endParaRPr>
+          </a:p>
+          <a:p>
+            <a:pPr>
+              <a:lnSpc>
+                <a:spcPct val="200000"/>
+              </a:lnSpc>
+            </a:pPr>
+            <a:r>
+              <a:rPr lang="en-US" altLang="ko-KR" smtClean="0">
+                <a:solidFill>
+                  <a:schemeClr val="bg1"/>
+                </a:solidFill>
+              </a:rPr>
+              <a:t>   </a:t>
             </a:r>
             <a:endParaRPr lang="en-US" altLang="ko-KR">
               <a:solidFill>
@@ -14075,20 +14160,28 @@
       </p:sp>
       <p:pic>
         <p:nvPicPr>
-          <p:cNvPr id="3" name="그림 2"/>
-          <p:cNvPicPr/>
+          <p:cNvPr id="4" name="그림 3"/>
+          <p:cNvPicPr>
+            <a:picLocks noChangeAspect="1"/>
+          </p:cNvPicPr>
           <p:nvPr/>
         </p:nvPicPr>
         <p:blipFill>
-          <a:blip r:embed="rId2"/>
+          <a:blip r:embed="rId2">
+            <a:extLst>
+              <a:ext uri="{28A0092B-C50C-407E-A947-70E740481C1C}">
+                <a14:useLocalDpi xmlns:a14="http://schemas.microsoft.com/office/drawing/2010/main" val="0"/>
+              </a:ext>
+            </a:extLst>
+          </a:blip>
           <a:stretch>
             <a:fillRect/>
           </a:stretch>
         </p:blipFill>
         <p:spPr>
           <a:xfrm>
-            <a:off x="503397" y="1484784"/>
-            <a:ext cx="8389083" cy="4752528"/>
+            <a:off x="758587" y="1412776"/>
+            <a:ext cx="7773853" cy="4858658"/>
           </a:xfrm>
           <a:prstGeom prst="rect">
             <a:avLst/>
@@ -14187,8 +14280,8 @@
         </p:nvSpPr>
         <p:spPr>
           <a:xfrm>
-            <a:off x="971600" y="2348880"/>
-            <a:ext cx="3714776" cy="307777"/>
+            <a:off x="971600" y="1361596"/>
+            <a:ext cx="7395120" cy="2246769"/>
           </a:xfrm>
           <a:prstGeom prst="rect">
             <a:avLst/>
@@ -14214,21 +14307,283 @@
                   <a:schemeClr val="bg1"/>
                 </a:solidFill>
               </a:rPr>
-              <a:t> </a:t>
-            </a:r>
-            <a:r>
-              <a:rPr lang="en-US" altLang="ko-KR" sz="1400" smtClean="0">
-                <a:solidFill>
-                  <a:schemeClr val="bg1"/>
-                </a:solidFill>
-              </a:rPr>
-              <a:t>?</a:t>
-            </a:r>
-            <a:endParaRPr lang="ko-KR" altLang="en-US" sz="1400" dirty="0">
+              <a:t> 자료를 </a:t>
+            </a:r>
+            <a:r>
+              <a:rPr lang="ko-KR" altLang="en-US" sz="1400">
+                <a:solidFill>
+                  <a:schemeClr val="bg1"/>
+                </a:solidFill>
+              </a:rPr>
+              <a:t>간단히 잘 표현하여 한 눈에 알아보기 쉽다</a:t>
+            </a:r>
+            <a:r>
+              <a:rPr lang="en-US" altLang="ko-KR" sz="1400">
+                <a:solidFill>
+                  <a:schemeClr val="bg1"/>
+                </a:solidFill>
+              </a:rPr>
+              <a:t>.</a:t>
+            </a:r>
+          </a:p>
+          <a:p>
+            <a:pPr>
+              <a:buFont typeface="Arial" pitchFamily="34" charset="0"/>
+              <a:buChar char="•"/>
+            </a:pPr>
+            <a:endParaRPr lang="en-US" altLang="ko-KR" sz="1400">
               <a:solidFill>
                 <a:schemeClr val="bg1"/>
               </a:solidFill>
             </a:endParaRPr>
+          </a:p>
+          <a:p>
+            <a:pPr>
+              <a:buFont typeface="Arial" pitchFamily="34" charset="0"/>
+              <a:buChar char="•"/>
+            </a:pPr>
+            <a:r>
+              <a:rPr lang="ko-KR" altLang="en-US" sz="1400" smtClean="0">
+                <a:solidFill>
+                  <a:schemeClr val="bg1"/>
+                </a:solidFill>
+              </a:rPr>
+              <a:t> 게시물에  </a:t>
+            </a:r>
+            <a:r>
+              <a:rPr lang="en-US" altLang="ko-KR" sz="1400" smtClean="0">
+                <a:solidFill>
+                  <a:schemeClr val="bg1"/>
+                </a:solidFill>
+              </a:rPr>
+              <a:t>‘</a:t>
+            </a:r>
+            <a:r>
+              <a:rPr lang="ko-KR" altLang="en-US" sz="1400" smtClean="0">
+                <a:solidFill>
+                  <a:schemeClr val="bg1"/>
+                </a:solidFill>
+              </a:rPr>
+              <a:t>♥</a:t>
+            </a:r>
+            <a:r>
+              <a:rPr lang="en-US" altLang="ko-KR" sz="1400" smtClean="0">
+                <a:solidFill>
+                  <a:schemeClr val="bg1"/>
+                </a:solidFill>
+              </a:rPr>
+              <a:t>’</a:t>
+            </a:r>
+            <a:r>
+              <a:rPr lang="ko-KR" altLang="en-US" sz="1400" smtClean="0">
+                <a:solidFill>
+                  <a:schemeClr val="bg1"/>
+                </a:solidFill>
+              </a:rPr>
+              <a:t>버튼이 </a:t>
+            </a:r>
+            <a:r>
+              <a:rPr lang="ko-KR" altLang="en-US" sz="1400">
+                <a:solidFill>
+                  <a:schemeClr val="bg1"/>
+                </a:solidFill>
+              </a:rPr>
+              <a:t>사용자의 참여를 유도하고</a:t>
+            </a:r>
+            <a:r>
+              <a:rPr lang="en-US" altLang="ko-KR" sz="1400">
+                <a:solidFill>
+                  <a:schemeClr val="bg1"/>
+                </a:solidFill>
+              </a:rPr>
+              <a:t>, </a:t>
+            </a:r>
+            <a:r>
+              <a:rPr lang="ko-KR" altLang="en-US" sz="1400">
+                <a:solidFill>
+                  <a:schemeClr val="bg1"/>
+                </a:solidFill>
+              </a:rPr>
+              <a:t>사용자 의견을 반영할 수 있어 유용하다</a:t>
+            </a:r>
+            <a:r>
+              <a:rPr lang="en-US" altLang="ko-KR" sz="1400">
+                <a:solidFill>
+                  <a:schemeClr val="bg1"/>
+                </a:solidFill>
+              </a:rPr>
+              <a:t>.</a:t>
+            </a:r>
+          </a:p>
+          <a:p>
+            <a:pPr>
+              <a:buFont typeface="Arial" pitchFamily="34" charset="0"/>
+              <a:buChar char="•"/>
+            </a:pPr>
+            <a:endParaRPr lang="en-US" altLang="ko-KR" sz="1400">
+              <a:solidFill>
+                <a:schemeClr val="bg1"/>
+              </a:solidFill>
+            </a:endParaRPr>
+          </a:p>
+          <a:p>
+            <a:pPr>
+              <a:buFont typeface="Arial" pitchFamily="34" charset="0"/>
+              <a:buChar char="•"/>
+            </a:pPr>
+            <a:r>
+              <a:rPr lang="ko-KR" altLang="en-US" sz="1400" smtClean="0">
+                <a:solidFill>
+                  <a:schemeClr val="bg1"/>
+                </a:solidFill>
+              </a:rPr>
+              <a:t> 사용자가 </a:t>
+            </a:r>
+            <a:r>
+              <a:rPr lang="en-US" altLang="ko-KR" sz="1400">
+                <a:solidFill>
+                  <a:schemeClr val="bg1"/>
+                </a:solidFill>
+              </a:rPr>
+              <a:t>#</a:t>
+            </a:r>
+            <a:r>
+              <a:rPr lang="ko-KR" altLang="en-US" sz="1400">
+                <a:solidFill>
+                  <a:schemeClr val="bg1"/>
+                </a:solidFill>
+              </a:rPr>
+              <a:t>태그를 통해 원하는 모임을 찾을 수 있어 유용하며</a:t>
+            </a:r>
+            <a:r>
+              <a:rPr lang="en-US" altLang="ko-KR" sz="1400">
+                <a:solidFill>
+                  <a:schemeClr val="bg1"/>
+                </a:solidFill>
+              </a:rPr>
+              <a:t>, </a:t>
+            </a:r>
+            <a:endParaRPr lang="en-US" altLang="ko-KR" sz="1400" smtClean="0">
+              <a:solidFill>
+                <a:schemeClr val="bg1"/>
+              </a:solidFill>
+            </a:endParaRPr>
+          </a:p>
+          <a:p>
+            <a:r>
+              <a:rPr lang="en-US" altLang="ko-KR" sz="1400" smtClean="0">
+                <a:solidFill>
+                  <a:schemeClr val="bg1"/>
+                </a:solidFill>
+              </a:rPr>
+              <a:t> </a:t>
+            </a:r>
+            <a:r>
+              <a:rPr lang="en-US" altLang="ko-KR" sz="1400" smtClean="0">
+                <a:solidFill>
+                  <a:schemeClr val="bg1"/>
+                </a:solidFill>
+              </a:rPr>
+              <a:t> sns</a:t>
+            </a:r>
+            <a:r>
+              <a:rPr lang="ko-KR" altLang="en-US" sz="1400">
+                <a:solidFill>
+                  <a:schemeClr val="bg1"/>
+                </a:solidFill>
+              </a:rPr>
+              <a:t>를 연상케하여 세련된 느낌을 준다</a:t>
+            </a:r>
+            <a:r>
+              <a:rPr lang="en-US" altLang="ko-KR" sz="1400">
+                <a:solidFill>
+                  <a:schemeClr val="bg1"/>
+                </a:solidFill>
+              </a:rPr>
+              <a:t>.</a:t>
+            </a:r>
+          </a:p>
+          <a:p>
+            <a:pPr>
+              <a:buFont typeface="Arial" pitchFamily="34" charset="0"/>
+              <a:buChar char="•"/>
+            </a:pPr>
+            <a:endParaRPr lang="en-US" altLang="ko-KR" sz="1400">
+              <a:solidFill>
+                <a:schemeClr val="bg1"/>
+              </a:solidFill>
+            </a:endParaRPr>
+          </a:p>
+          <a:p>
+            <a:pPr>
+              <a:buFont typeface="Arial" pitchFamily="34" charset="0"/>
+              <a:buChar char="•"/>
+            </a:pPr>
+            <a:r>
+              <a:rPr lang="ko-KR" altLang="en-US" sz="1400" smtClean="0">
+                <a:solidFill>
+                  <a:schemeClr val="bg1"/>
+                </a:solidFill>
+              </a:rPr>
+              <a:t> 회원가입 </a:t>
+            </a:r>
+            <a:r>
+              <a:rPr lang="ko-KR" altLang="en-US" sz="1400">
+                <a:solidFill>
+                  <a:schemeClr val="bg1"/>
+                </a:solidFill>
+              </a:rPr>
+              <a:t>양식이 간단하고 깔끔하게 정리되어있다</a:t>
+            </a:r>
+            <a:r>
+              <a:rPr lang="en-US" altLang="ko-KR" sz="1400">
+                <a:solidFill>
+                  <a:schemeClr val="bg1"/>
+                </a:solidFill>
+              </a:rPr>
+              <a:t>.</a:t>
+            </a:r>
+          </a:p>
+          <a:p>
+            <a:pPr>
+              <a:buFont typeface="Arial" pitchFamily="34" charset="0"/>
+              <a:buChar char="•"/>
+            </a:pPr>
+            <a:endParaRPr lang="en-US" altLang="ko-KR" sz="1400">
+              <a:solidFill>
+                <a:schemeClr val="bg1"/>
+              </a:solidFill>
+            </a:endParaRPr>
+          </a:p>
+          <a:p>
+            <a:pPr>
+              <a:buFont typeface="Arial" pitchFamily="34" charset="0"/>
+              <a:buChar char="•"/>
+            </a:pPr>
+            <a:r>
+              <a:rPr lang="ko-KR" altLang="en-US" sz="1400" smtClean="0">
+                <a:solidFill>
+                  <a:schemeClr val="bg1"/>
+                </a:solidFill>
+              </a:rPr>
+              <a:t> 서비스 </a:t>
+            </a:r>
+            <a:r>
+              <a:rPr lang="ko-KR" altLang="en-US" sz="1400">
+                <a:solidFill>
+                  <a:schemeClr val="bg1"/>
+                </a:solidFill>
+              </a:rPr>
+              <a:t>안내 창이 세련되고 깔끔하다</a:t>
+            </a:r>
+            <a:r>
+              <a:rPr lang="en-US" altLang="ko-KR" sz="1400">
+                <a:solidFill>
+                  <a:schemeClr val="bg1"/>
+                </a:solidFill>
+              </a:rPr>
+              <a:t>.</a:t>
+            </a:r>
           </a:p>
         </p:txBody>
       </p:sp>
@@ -14240,7 +14595,7 @@
         </p:nvSpPr>
         <p:spPr>
           <a:xfrm>
-            <a:off x="598428" y="4149080"/>
+            <a:off x="580061" y="3710131"/>
             <a:ext cx="1901354" cy="369332"/>
           </a:xfrm>
           <a:prstGeom prst="rect">
@@ -14286,7 +14641,7 @@
         </p:nvSpPr>
         <p:spPr>
           <a:xfrm>
-            <a:off x="598428" y="1527214"/>
+            <a:off x="580060" y="992264"/>
             <a:ext cx="1754455" cy="369332"/>
           </a:xfrm>
           <a:prstGeom prst="rect">
@@ -14332,8 +14687,8 @@
         </p:nvSpPr>
         <p:spPr>
           <a:xfrm>
-            <a:off x="971600" y="4797152"/>
-            <a:ext cx="3714776" cy="307777"/>
+            <a:off x="971600" y="4082207"/>
+            <a:ext cx="7560840" cy="2462213"/>
           </a:xfrm>
           <a:prstGeom prst="rect">
             <a:avLst/>
@@ -14359,15 +14714,300 @@
                   <a:schemeClr val="bg1"/>
                 </a:solidFill>
               </a:rPr>
-              <a:t> </a:t>
-            </a:r>
-            <a:r>
-              <a:rPr lang="en-US" altLang="ko-KR" sz="1400" smtClean="0">
-                <a:solidFill>
-                  <a:schemeClr val="bg1"/>
-                </a:solidFill>
-              </a:rPr>
-              <a:t>?</a:t>
+              <a:t> 메뉴</a:t>
+            </a:r>
+            <a:r>
+              <a:rPr lang="en-US" altLang="ko-KR" sz="1400">
+                <a:solidFill>
+                  <a:schemeClr val="bg1"/>
+                </a:solidFill>
+              </a:rPr>
+              <a:t>(</a:t>
+            </a:r>
+            <a:r>
+              <a:rPr lang="ko-KR" altLang="en-US" sz="1400">
+                <a:solidFill>
+                  <a:schemeClr val="bg1"/>
+                </a:solidFill>
+              </a:rPr>
+              <a:t>카테고리</a:t>
+            </a:r>
+            <a:r>
+              <a:rPr lang="en-US" altLang="ko-KR" sz="1400">
+                <a:solidFill>
+                  <a:schemeClr val="bg1"/>
+                </a:solidFill>
+              </a:rPr>
+              <a:t>) </a:t>
+            </a:r>
+            <a:r>
+              <a:rPr lang="ko-KR" altLang="en-US" sz="1400">
+                <a:solidFill>
+                  <a:schemeClr val="bg1"/>
+                </a:solidFill>
+              </a:rPr>
+              <a:t>버튼이 작고</a:t>
+            </a:r>
+            <a:r>
+              <a:rPr lang="en-US" altLang="ko-KR" sz="1400">
+                <a:solidFill>
+                  <a:schemeClr val="bg1"/>
+                </a:solidFill>
+              </a:rPr>
+              <a:t>, </a:t>
+            </a:r>
+            <a:r>
+              <a:rPr lang="ko-KR" altLang="en-US" sz="1400">
+                <a:solidFill>
+                  <a:schemeClr val="bg1"/>
+                </a:solidFill>
+              </a:rPr>
+              <a:t>눈에 잘 띄지 않는 곳이 위치해 찾기 힘들다</a:t>
+            </a:r>
+            <a:r>
+              <a:rPr lang="en-US" altLang="ko-KR" sz="1400">
+                <a:solidFill>
+                  <a:schemeClr val="bg1"/>
+                </a:solidFill>
+              </a:rPr>
+              <a:t>.</a:t>
+            </a:r>
+          </a:p>
+          <a:p>
+            <a:pPr>
+              <a:buFont typeface="Arial" pitchFamily="34" charset="0"/>
+              <a:buChar char="•"/>
+            </a:pPr>
+            <a:endParaRPr lang="en-US" altLang="ko-KR" sz="1400">
+              <a:solidFill>
+                <a:schemeClr val="bg1"/>
+              </a:solidFill>
+            </a:endParaRPr>
+          </a:p>
+          <a:p>
+            <a:pPr>
+              <a:buFont typeface="Arial" pitchFamily="34" charset="0"/>
+              <a:buChar char="•"/>
+            </a:pPr>
+            <a:r>
+              <a:rPr lang="ko-KR" altLang="en-US" sz="1400" smtClean="0">
+                <a:solidFill>
+                  <a:schemeClr val="bg1"/>
+                </a:solidFill>
+              </a:rPr>
+              <a:t> 모서리 </a:t>
+            </a:r>
+            <a:r>
+              <a:rPr lang="ko-KR" altLang="en-US" sz="1400">
+                <a:solidFill>
+                  <a:schemeClr val="bg1"/>
+                </a:solidFill>
+              </a:rPr>
+              <a:t>쪽의 배너 구성이 촌스럽다</a:t>
+            </a:r>
+            <a:r>
+              <a:rPr lang="en-US" altLang="ko-KR" sz="1400">
+                <a:solidFill>
+                  <a:schemeClr val="bg1"/>
+                </a:solidFill>
+              </a:rPr>
+              <a:t>.</a:t>
+            </a:r>
+          </a:p>
+          <a:p>
+            <a:pPr>
+              <a:buFont typeface="Arial" pitchFamily="34" charset="0"/>
+              <a:buChar char="•"/>
+            </a:pPr>
+            <a:endParaRPr lang="en-US" altLang="ko-KR" sz="1400">
+              <a:solidFill>
+                <a:schemeClr val="bg1"/>
+              </a:solidFill>
+            </a:endParaRPr>
+          </a:p>
+          <a:p>
+            <a:pPr>
+              <a:buFont typeface="Arial" pitchFamily="34" charset="0"/>
+              <a:buChar char="•"/>
+            </a:pPr>
+            <a:r>
+              <a:rPr lang="ko-KR" altLang="en-US" sz="1400" smtClean="0">
+                <a:solidFill>
+                  <a:schemeClr val="bg1"/>
+                </a:solidFill>
+              </a:rPr>
+              <a:t> 한 </a:t>
+            </a:r>
+            <a:r>
+              <a:rPr lang="ko-KR" altLang="en-US" sz="1400">
+                <a:solidFill>
+                  <a:schemeClr val="bg1"/>
+                </a:solidFill>
+              </a:rPr>
+              <a:t>페이지가 세로로 과하게 길다</a:t>
+            </a:r>
+            <a:r>
+              <a:rPr lang="en-US" altLang="ko-KR" sz="1400">
+                <a:solidFill>
+                  <a:schemeClr val="bg1"/>
+                </a:solidFill>
+              </a:rPr>
+              <a:t>.</a:t>
+            </a:r>
+          </a:p>
+          <a:p>
+            <a:pPr>
+              <a:buFont typeface="Arial" pitchFamily="34" charset="0"/>
+              <a:buChar char="•"/>
+            </a:pPr>
+            <a:endParaRPr lang="en-US" altLang="ko-KR" sz="1400">
+              <a:solidFill>
+                <a:schemeClr val="bg1"/>
+              </a:solidFill>
+            </a:endParaRPr>
+          </a:p>
+          <a:p>
+            <a:pPr>
+              <a:buFont typeface="Arial" pitchFamily="34" charset="0"/>
+              <a:buChar char="•"/>
+            </a:pPr>
+            <a:r>
+              <a:rPr lang="ko-KR" altLang="en-US" sz="1400" smtClean="0">
+                <a:solidFill>
+                  <a:schemeClr val="bg1"/>
+                </a:solidFill>
+              </a:rPr>
+              <a:t> 홈페이지의 </a:t>
+            </a:r>
+            <a:r>
+              <a:rPr lang="ko-KR" altLang="en-US" sz="1400">
+                <a:solidFill>
+                  <a:schemeClr val="bg1"/>
+                </a:solidFill>
+              </a:rPr>
+              <a:t>개설 의도나 용도가 무엇인 지 잘 나타나있지 않다</a:t>
+            </a:r>
+            <a:r>
+              <a:rPr lang="en-US" altLang="ko-KR" sz="1400">
+                <a:solidFill>
+                  <a:schemeClr val="bg1"/>
+                </a:solidFill>
+              </a:rPr>
+              <a:t>.</a:t>
+            </a:r>
+          </a:p>
+          <a:p>
+            <a:pPr>
+              <a:buFont typeface="Arial" pitchFamily="34" charset="0"/>
+              <a:buChar char="•"/>
+            </a:pPr>
+            <a:endParaRPr lang="en-US" altLang="ko-KR" sz="1400">
+              <a:solidFill>
+                <a:schemeClr val="bg1"/>
+              </a:solidFill>
+            </a:endParaRPr>
+          </a:p>
+          <a:p>
+            <a:pPr>
+              <a:buFont typeface="Arial" pitchFamily="34" charset="0"/>
+              <a:buChar char="•"/>
+            </a:pPr>
+            <a:r>
+              <a:rPr lang="ko-KR" altLang="en-US" sz="1400" smtClean="0">
+                <a:solidFill>
+                  <a:schemeClr val="bg1"/>
+                </a:solidFill>
+              </a:rPr>
+              <a:t> 카테고리의 </a:t>
+            </a:r>
+            <a:r>
+              <a:rPr lang="ko-KR" altLang="en-US" sz="1400">
+                <a:solidFill>
+                  <a:schemeClr val="bg1"/>
+                </a:solidFill>
+              </a:rPr>
+              <a:t>분류 기준이 모호하다</a:t>
+            </a:r>
+            <a:r>
+              <a:rPr lang="en-US" altLang="ko-KR" sz="1400">
+                <a:solidFill>
+                  <a:schemeClr val="bg1"/>
+                </a:solidFill>
+              </a:rPr>
+              <a:t>.</a:t>
+            </a:r>
+          </a:p>
+          <a:p>
+            <a:pPr>
+              <a:buFont typeface="Arial" pitchFamily="34" charset="0"/>
+              <a:buChar char="•"/>
+            </a:pPr>
+            <a:endParaRPr lang="en-US" altLang="ko-KR" sz="1400">
+              <a:solidFill>
+                <a:schemeClr val="bg1"/>
+              </a:solidFill>
+            </a:endParaRPr>
+          </a:p>
+          <a:p>
+            <a:pPr>
+              <a:buFont typeface="Arial" pitchFamily="34" charset="0"/>
+              <a:buChar char="•"/>
+            </a:pPr>
+            <a:r>
+              <a:rPr lang="ko-KR" altLang="en-US" sz="1400" smtClean="0">
+                <a:solidFill>
+                  <a:schemeClr val="bg1"/>
+                </a:solidFill>
+              </a:rPr>
+              <a:t> 게시물의 </a:t>
+            </a:r>
+            <a:r>
+              <a:rPr lang="ko-KR" altLang="en-US" sz="1400">
+                <a:solidFill>
+                  <a:schemeClr val="bg1"/>
+                </a:solidFill>
+              </a:rPr>
+              <a:t>균형이 맞지 않아</a:t>
+            </a:r>
+            <a:r>
+              <a:rPr lang="en-US" altLang="ko-KR" sz="1400">
+                <a:solidFill>
+                  <a:schemeClr val="bg1"/>
+                </a:solidFill>
+              </a:rPr>
+              <a:t>, </a:t>
+            </a:r>
+            <a:r>
+              <a:rPr lang="ko-KR" altLang="en-US" sz="1400">
+                <a:solidFill>
+                  <a:schemeClr val="bg1"/>
+                </a:solidFill>
+              </a:rPr>
+              <a:t>부자연스럽다</a:t>
+            </a:r>
+            <a:r>
+              <a:rPr lang="en-US" altLang="ko-KR" sz="1400">
+                <a:solidFill>
+                  <a:schemeClr val="bg1"/>
+                </a:solidFill>
+              </a:rPr>
+              <a:t>.(</a:t>
+            </a:r>
+            <a:r>
+              <a:rPr lang="ko-KR" altLang="en-US" sz="1400">
+                <a:solidFill>
+                  <a:schemeClr val="bg1"/>
+                </a:solidFill>
+              </a:rPr>
+              <a:t>왼쪽으로 치우침</a:t>
+            </a:r>
+            <a:r>
+              <a:rPr lang="en-US" altLang="ko-KR" sz="1400">
+                <a:solidFill>
+                  <a:schemeClr val="bg1"/>
+                </a:solidFill>
+              </a:rPr>
+              <a:t>)</a:t>
             </a:r>
             <a:endParaRPr lang="ko-KR" altLang="en-US" sz="1400" dirty="0">
               <a:solidFill>
@@ -14449,6 +15089,36 @@
           </a:p>
         </p:txBody>
       </p:sp>
+      <p:pic>
+        <p:nvPicPr>
+          <p:cNvPr id="4" name="그림 3"/>
+          <p:cNvPicPr>
+            <a:picLocks noChangeAspect="1"/>
+          </p:cNvPicPr>
+          <p:nvPr/>
+        </p:nvPicPr>
+        <p:blipFill>
+          <a:blip r:embed="rId2">
+            <a:extLst>
+              <a:ext uri="{28A0092B-C50C-407E-A947-70E740481C1C}">
+                <a14:useLocalDpi xmlns:a14="http://schemas.microsoft.com/office/drawing/2010/main" val="0"/>
+              </a:ext>
+            </a:extLst>
+          </a:blip>
+          <a:stretch>
+            <a:fillRect/>
+          </a:stretch>
+        </p:blipFill>
+        <p:spPr>
+          <a:xfrm>
+            <a:off x="611560" y="1241757"/>
+            <a:ext cx="7992888" cy="4995555"/>
+          </a:xfrm>
+          <a:prstGeom prst="rect">
+            <a:avLst/>
+          </a:prstGeom>
+        </p:spPr>
+      </p:pic>
     </p:spTree>
     <p:extLst>
       <p:ext uri="{BB962C8B-B14F-4D97-AF65-F5344CB8AC3E}">
@@ -14530,7 +15200,7 @@
         <p:spPr>
           <a:xfrm>
             <a:off x="971600" y="2348880"/>
-            <a:ext cx="3714776" cy="307777"/>
+            <a:ext cx="7176072" cy="1169551"/>
           </a:xfrm>
           <a:prstGeom prst="rect">
             <a:avLst/>
@@ -14556,16 +15226,98 @@
                   <a:schemeClr val="bg1"/>
                 </a:solidFill>
               </a:rPr>
+              <a:t>  하단의 아이콘이 의미를 잘 반영해 사용자가 이해하기 쉽게 만들었다</a:t>
+            </a:r>
+            <a:r>
+              <a:rPr lang="en-US" altLang="ko-KR" sz="1400" smtClean="0">
+                <a:solidFill>
+                  <a:schemeClr val="bg1"/>
+                </a:solidFill>
+              </a:rPr>
+              <a:t>.</a:t>
+            </a:r>
+          </a:p>
+          <a:p>
+            <a:pPr>
+              <a:buFont typeface="Arial" pitchFamily="34" charset="0"/>
+              <a:buChar char="•"/>
+            </a:pPr>
+            <a:endParaRPr lang="en-US" altLang="ko-KR" sz="1400" smtClean="0">
+              <a:solidFill>
+                <a:schemeClr val="bg1"/>
+              </a:solidFill>
+            </a:endParaRPr>
+          </a:p>
+          <a:p>
+            <a:pPr>
+              <a:buFont typeface="Arial" pitchFamily="34" charset="0"/>
+              <a:buChar char="•"/>
+            </a:pPr>
+            <a:r>
+              <a:rPr lang="en-US" altLang="ko-KR" sz="1400">
+                <a:solidFill>
+                  <a:schemeClr val="bg1"/>
+                </a:solidFill>
+              </a:rPr>
               <a:t> </a:t>
             </a:r>
             <a:r>
+              <a:rPr lang="ko-KR" altLang="en-US" sz="1400">
+                <a:solidFill>
+                  <a:schemeClr val="bg1"/>
+                </a:solidFill>
+              </a:rPr>
+              <a:t> </a:t>
+            </a:r>
+            <a:r>
+              <a:rPr lang="ko-KR" altLang="en-US" sz="1400" smtClean="0">
+                <a:solidFill>
+                  <a:schemeClr val="bg1"/>
+                </a:solidFill>
+              </a:rPr>
+              <a:t>메뉴가 간결하고</a:t>
+            </a:r>
+            <a:r>
               <a:rPr lang="en-US" altLang="ko-KR" sz="1400" smtClean="0">
                 <a:solidFill>
                   <a:schemeClr val="bg1"/>
                 </a:solidFill>
               </a:rPr>
-              <a:t>?</a:t>
-            </a:r>
+              <a:t>, </a:t>
+            </a:r>
+            <a:r>
+              <a:rPr lang="ko-KR" altLang="en-US" sz="1400" smtClean="0">
+                <a:solidFill>
+                  <a:schemeClr val="bg1"/>
+                </a:solidFill>
+              </a:rPr>
+              <a:t>글자 크기가 커서 보기 편하다</a:t>
+            </a:r>
+            <a:r>
+              <a:rPr lang="en-US" altLang="ko-KR" sz="1400" smtClean="0">
+                <a:solidFill>
+                  <a:schemeClr val="bg1"/>
+                </a:solidFill>
+              </a:rPr>
+              <a:t>.</a:t>
+            </a:r>
+          </a:p>
+          <a:p>
+            <a:pPr>
+              <a:buFont typeface="Arial" pitchFamily="34" charset="0"/>
+              <a:buChar char="•"/>
+            </a:pPr>
+            <a:endParaRPr lang="en-US" altLang="ko-KR" sz="1400">
+              <a:solidFill>
+                <a:schemeClr val="bg1"/>
+              </a:solidFill>
+            </a:endParaRPr>
+          </a:p>
+          <a:p>
+            <a:pPr>
+              <a:buFont typeface="Arial" pitchFamily="34" charset="0"/>
+              <a:buChar char="•"/>
+            </a:pPr>
             <a:endParaRPr lang="ko-KR" altLang="en-US" sz="1400" dirty="0">
               <a:solidFill>
                 <a:schemeClr val="bg1"/>
@@ -14674,8 +15426,8 @@
         </p:nvSpPr>
         <p:spPr>
           <a:xfrm>
-            <a:off x="971600" y="4797152"/>
-            <a:ext cx="3714776" cy="307777"/>
+            <a:off x="946872" y="4797151"/>
+            <a:ext cx="7200800" cy="1169551"/>
           </a:xfrm>
           <a:prstGeom prst="rect">
             <a:avLst/>
@@ -14704,12 +15456,155 @@
               <a:t> </a:t>
             </a:r>
             <a:r>
+              <a:rPr lang="ko-KR" altLang="en-US" sz="1400">
+                <a:solidFill>
+                  <a:schemeClr val="bg1"/>
+                </a:solidFill>
+              </a:rPr>
+              <a:t>상단 바의 대분류 메뉴에 마우스 포인터를 두면  마우스 포인터의 모양은 변하나</a:t>
+            </a:r>
+            <a:r>
+              <a:rPr lang="en-US" altLang="ko-KR" sz="1400">
+                <a:solidFill>
+                  <a:schemeClr val="bg1"/>
+                </a:solidFill>
+              </a:rPr>
+              <a:t>, </a:t>
+            </a:r>
+            <a:endParaRPr lang="en-US" altLang="ko-KR" sz="1400" smtClean="0">
+              <a:solidFill>
+                <a:schemeClr val="bg1"/>
+              </a:solidFill>
+            </a:endParaRPr>
+          </a:p>
+          <a:p>
+            <a:r>
               <a:rPr lang="en-US" altLang="ko-KR" sz="1400" smtClean="0">
                 <a:solidFill>
                   <a:schemeClr val="bg1"/>
                 </a:solidFill>
               </a:rPr>
-              <a:t>?</a:t>
+              <a:t>  </a:t>
+            </a:r>
+            <a:r>
+              <a:rPr lang="ko-KR" altLang="en-US" sz="1400" smtClean="0">
+                <a:solidFill>
+                  <a:schemeClr val="bg1"/>
+                </a:solidFill>
+              </a:rPr>
+              <a:t>클릭 </a:t>
+            </a:r>
+            <a:r>
+              <a:rPr lang="ko-KR" altLang="en-US" sz="1400">
+                <a:solidFill>
+                  <a:schemeClr val="bg1"/>
+                </a:solidFill>
+              </a:rPr>
+              <a:t>시 상세 내용 페이지로 이동하지 않는다</a:t>
+            </a:r>
+            <a:r>
+              <a:rPr lang="en-US" altLang="ko-KR" sz="1400">
+                <a:solidFill>
+                  <a:schemeClr val="bg1"/>
+                </a:solidFill>
+              </a:rPr>
+              <a:t>.</a:t>
+            </a:r>
+          </a:p>
+          <a:p>
+            <a:pPr>
+              <a:buFont typeface="Arial" pitchFamily="34" charset="0"/>
+              <a:buChar char="•"/>
+            </a:pPr>
+            <a:endParaRPr lang="en-US" altLang="ko-KR" sz="1400">
+              <a:solidFill>
+                <a:schemeClr val="bg1"/>
+              </a:solidFill>
+            </a:endParaRPr>
+          </a:p>
+          <a:p>
+            <a:pPr>
+              <a:buFont typeface="Arial" pitchFamily="34" charset="0"/>
+              <a:buChar char="•"/>
+            </a:pPr>
+            <a:r>
+              <a:rPr lang="ko-KR" altLang="en-US" sz="1400" smtClean="0">
+                <a:solidFill>
+                  <a:schemeClr val="bg1"/>
+                </a:solidFill>
+              </a:rPr>
+              <a:t> 하단의 </a:t>
+            </a:r>
+            <a:r>
+              <a:rPr lang="ko-KR" altLang="en-US" sz="1400">
+                <a:solidFill>
+                  <a:schemeClr val="bg1"/>
+                </a:solidFill>
+              </a:rPr>
+              <a:t>지점 별 태그에 마우스 포인터를 두면</a:t>
+            </a:r>
+            <a:r>
+              <a:rPr lang="en-US" altLang="ko-KR" sz="1400">
+                <a:solidFill>
+                  <a:schemeClr val="bg1"/>
+                </a:solidFill>
+              </a:rPr>
+              <a:t>, </a:t>
+            </a:r>
+            <a:r>
+              <a:rPr lang="ko-KR" altLang="en-US" sz="1400">
+                <a:solidFill>
+                  <a:schemeClr val="bg1"/>
+                </a:solidFill>
+              </a:rPr>
+              <a:t>마우스 포인터의 모양은 </a:t>
+            </a:r>
+            <a:r>
+              <a:rPr lang="ko-KR" altLang="en-US" sz="1400">
+                <a:solidFill>
+                  <a:schemeClr val="bg1"/>
+                </a:solidFill>
+              </a:rPr>
+              <a:t>변하나 </a:t>
+            </a:r>
+            <a:endParaRPr lang="en-US" altLang="ko-KR" sz="1400" smtClean="0">
+              <a:solidFill>
+                <a:schemeClr val="bg1"/>
+              </a:solidFill>
+            </a:endParaRPr>
+          </a:p>
+          <a:p>
+            <a:r>
+              <a:rPr lang="en-US" altLang="ko-KR" sz="1400" smtClean="0">
+                <a:solidFill>
+                  <a:schemeClr val="bg1"/>
+                </a:solidFill>
+              </a:rPr>
+              <a:t>  </a:t>
+            </a:r>
+            <a:r>
+              <a:rPr lang="ko-KR" altLang="en-US" sz="1400" smtClean="0">
+                <a:solidFill>
+                  <a:schemeClr val="bg1"/>
+                </a:solidFill>
+              </a:rPr>
+              <a:t>각 지점  </a:t>
+            </a:r>
+            <a:r>
+              <a:rPr lang="ko-KR" altLang="en-US" sz="1400">
+                <a:solidFill>
+                  <a:schemeClr val="bg1"/>
+                </a:solidFill>
+              </a:rPr>
+              <a:t>별 사이트로 이동하지는 않는다</a:t>
+            </a:r>
+            <a:r>
+              <a:rPr lang="en-US" altLang="ko-KR" sz="1400">
+                <a:solidFill>
+                  <a:schemeClr val="bg1"/>
+                </a:solidFill>
+              </a:rPr>
+              <a:t>.</a:t>
             </a:r>
             <a:endParaRPr lang="ko-KR" altLang="en-US" sz="1400" dirty="0">
               <a:solidFill>
@@ -14781,20 +15676,50 @@
             </a:r>
             <a:r>
               <a:rPr lang="ko-KR" altLang="en-US" smtClean="0"/>
-              <a:t>왓챠플레이</a:t>
+              <a:t>데브피아</a:t>
             </a:r>
             <a:r>
               <a:rPr lang="en-US" altLang="ko-KR" smtClean="0"/>
-              <a:t>(play.watcha.net</a:t>
-            </a:r>
-            <a:r>
-              <a:rPr lang="en-US" altLang="ko-KR" smtClean="0"/>
-              <a:t>)</a:t>
+              <a:t>(devpia.com</a:t>
+            </a:r>
+            <a:r>
+              <a:rPr lang="en-US" altLang="ko-KR"/>
+              <a:t>/)</a:t>
             </a:r>
             <a:endParaRPr lang="ko-KR" altLang="en-US"/>
           </a:p>
         </p:txBody>
       </p:sp>
+      <p:pic>
+        <p:nvPicPr>
+          <p:cNvPr id="3" name="그림 2"/>
+          <p:cNvPicPr>
+            <a:picLocks noChangeAspect="1"/>
+          </p:cNvPicPr>
+          <p:nvPr/>
+        </p:nvPicPr>
+        <p:blipFill>
+          <a:blip r:embed="rId2">
+            <a:extLst>
+              <a:ext uri="{28A0092B-C50C-407E-A947-70E740481C1C}">
+                <a14:useLocalDpi xmlns:a14="http://schemas.microsoft.com/office/drawing/2010/main" val="0"/>
+              </a:ext>
+            </a:extLst>
+          </a:blip>
+          <a:stretch>
+            <a:fillRect/>
+          </a:stretch>
+        </p:blipFill>
+        <p:spPr>
+          <a:xfrm>
+            <a:off x="467544" y="1196752"/>
+            <a:ext cx="8273211" cy="5170757"/>
+          </a:xfrm>
+          <a:prstGeom prst="rect">
+            <a:avLst/>
+          </a:prstGeom>
+        </p:spPr>
+      </p:pic>
     </p:spTree>
     <p:extLst>
       <p:ext uri="{BB962C8B-B14F-4D97-AF65-F5344CB8AC3E}">
@@ -14857,7 +15782,7 @@
             </a:r>
             <a:r>
               <a:rPr lang="ko-KR" altLang="en-US"/>
-              <a:t>왓챠플레이</a:t>
+              <a:t>데브피아</a:t>
             </a:r>
             <a:r>
               <a:rPr lang="en-US" altLang="ko-KR"/>
@@ -14865,11 +15790,11 @@
             </a:r>
             <a:r>
               <a:rPr lang="en-US" altLang="ko-KR"/>
-              <a:t>play.watcha.net</a:t>
+              <a:t>devpia.com</a:t>
             </a:r>
             <a:r>
               <a:rPr lang="en-US" altLang="ko-KR" smtClean="0"/>
-              <a:t>)</a:t>
+              <a:t>/)</a:t>
             </a:r>
             <a:endParaRPr lang="ko-KR" altLang="en-US"/>
           </a:p>
@@ -14884,7 +15809,7 @@
         <p:spPr>
           <a:xfrm>
             <a:off x="971600" y="2348880"/>
-            <a:ext cx="3714776" cy="307777"/>
+            <a:ext cx="7344816" cy="307777"/>
           </a:xfrm>
           <a:prstGeom prst="rect">
             <a:avLst/>
@@ -14910,15 +15835,23 @@
                   <a:schemeClr val="bg1"/>
                 </a:solidFill>
               </a:rPr>
-              <a:t> </a:t>
-            </a:r>
-            <a:r>
-              <a:rPr lang="en-US" altLang="ko-KR" sz="1400" smtClean="0">
-                <a:solidFill>
-                  <a:schemeClr val="bg1"/>
-                </a:solidFill>
-              </a:rPr>
-              <a:t>?</a:t>
+              <a:t> 사이트가 마을이라는 다양한 주제의 커뮤니티로 구성되어있어 </a:t>
+            </a:r>
+            <a:r>
+              <a:rPr lang="ko-KR" altLang="en-US" sz="1400">
+                <a:solidFill>
+                  <a:schemeClr val="bg1"/>
+                </a:solidFill>
+              </a:rPr>
+              <a:t>흥미를 유발시킨다</a:t>
+            </a:r>
+            <a:r>
+              <a:rPr lang="en-US" altLang="ko-KR" sz="1400">
+                <a:solidFill>
+                  <a:schemeClr val="bg1"/>
+                </a:solidFill>
+              </a:rPr>
+              <a:t>.</a:t>
             </a:r>
             <a:endParaRPr lang="ko-KR" altLang="en-US" sz="1400" dirty="0">
               <a:solidFill>
@@ -15029,7 +15962,7 @@
         <p:spPr>
           <a:xfrm>
             <a:off x="971600" y="4797152"/>
-            <a:ext cx="3714776" cy="307777"/>
+            <a:ext cx="6768752" cy="1384995"/>
           </a:xfrm>
           <a:prstGeom prst="rect">
             <a:avLst/>
@@ -15050,20 +15983,195 @@
               <a:buChar char="•"/>
             </a:pPr>
             <a:r>
+              <a:rPr lang="ko-KR" altLang="en-US" sz="1400">
+                <a:solidFill>
+                  <a:schemeClr val="bg1"/>
+                </a:solidFill>
+              </a:rPr>
+              <a:t> </a:t>
+            </a:r>
+            <a:r>
+              <a:rPr lang="ko-KR" altLang="en-US" sz="1400">
+                <a:solidFill>
+                  <a:schemeClr val="bg1"/>
+                </a:solidFill>
+              </a:rPr>
+              <a:t>글씨가 작고 원하는 </a:t>
+            </a:r>
+            <a:r>
+              <a:rPr lang="ko-KR" altLang="en-US" sz="1400">
+                <a:solidFill>
+                  <a:schemeClr val="bg1"/>
+                </a:solidFill>
+              </a:rPr>
+              <a:t>정보를 </a:t>
+            </a:r>
+            <a:r>
               <a:rPr lang="ko-KR" altLang="en-US" sz="1400" smtClean="0">
                 <a:solidFill>
                   <a:schemeClr val="bg1"/>
                 </a:solidFill>
               </a:rPr>
+              <a:t>찾기 어렵다</a:t>
+            </a:r>
+            <a:r>
+              <a:rPr lang="en-US" altLang="ko-KR" sz="1400" smtClean="0">
+                <a:solidFill>
+                  <a:schemeClr val="bg1"/>
+                </a:solidFill>
+              </a:rPr>
+              <a:t>.</a:t>
+            </a:r>
+          </a:p>
+          <a:p>
+            <a:pPr>
+              <a:buFont typeface="Arial" pitchFamily="34" charset="0"/>
+              <a:buChar char="•"/>
+            </a:pPr>
+            <a:endParaRPr lang="en-US" altLang="ko-KR" sz="1400">
+              <a:solidFill>
+                <a:schemeClr val="bg1"/>
+              </a:solidFill>
+            </a:endParaRPr>
+          </a:p>
+          <a:p>
+            <a:pPr>
+              <a:buFont typeface="Arial" pitchFamily="34" charset="0"/>
+              <a:buChar char="•"/>
+            </a:pPr>
+            <a:r>
+              <a:rPr lang="ko-KR" altLang="en-US" sz="1400" smtClean="0">
+                <a:solidFill>
+                  <a:schemeClr val="bg1"/>
+                </a:solidFill>
+              </a:rPr>
+              <a:t> 메인메뉴의 목록을 눌러 이동한 사이트와 메인메뉴 사이의 연관성이 </a:t>
+            </a:r>
+            <a:r>
+              <a:rPr lang="ko-KR" altLang="en-US" sz="1400">
+                <a:solidFill>
+                  <a:schemeClr val="bg1"/>
+                </a:solidFill>
+              </a:rPr>
+              <a:t>없어 </a:t>
+            </a:r>
+            <a:r>
+              <a:rPr lang="ko-KR" altLang="en-US" sz="1400" smtClean="0">
+                <a:solidFill>
+                  <a:schemeClr val="bg1"/>
+                </a:solidFill>
+              </a:rPr>
+              <a:t>보인다</a:t>
+            </a:r>
+            <a:r>
+              <a:rPr lang="en-US" altLang="ko-KR" sz="1400" smtClean="0">
+                <a:solidFill>
+                  <a:schemeClr val="bg1"/>
+                </a:solidFill>
+              </a:rPr>
+              <a:t>.</a:t>
+            </a:r>
+            <a:r>
+              <a:rPr lang="ko-KR" altLang="en-US" sz="1400" smtClean="0">
+                <a:solidFill>
+                  <a:schemeClr val="bg1"/>
+                </a:solidFill>
+              </a:rPr>
+              <a:t>  </a:t>
+            </a:r>
+            <a:r>
+              <a:rPr lang="en-US" altLang="ko-KR" sz="1400" smtClean="0">
+                <a:solidFill>
+                  <a:schemeClr val="bg1"/>
+                </a:solidFill>
+              </a:rPr>
+              <a:t>(</a:t>
+            </a:r>
+            <a:r>
+              <a:rPr lang="ko-KR" altLang="en-US" sz="1400">
+                <a:solidFill>
+                  <a:schemeClr val="bg1"/>
+                </a:solidFill>
+              </a:rPr>
+              <a:t>디자인이 </a:t>
+            </a:r>
+            <a:r>
+              <a:rPr lang="ko-KR" altLang="en-US" sz="1400">
+                <a:solidFill>
+                  <a:schemeClr val="bg1"/>
+                </a:solidFill>
+              </a:rPr>
+              <a:t>통일되지 </a:t>
+            </a:r>
+            <a:r>
+              <a:rPr lang="ko-KR" altLang="en-US" sz="1400" smtClean="0">
+                <a:solidFill>
+                  <a:schemeClr val="bg1"/>
+                </a:solidFill>
+              </a:rPr>
+              <a:t>않아 부자연스럽다</a:t>
+            </a:r>
+            <a:r>
+              <a:rPr lang="en-US" altLang="ko-KR" sz="1400" smtClean="0">
+                <a:solidFill>
+                  <a:schemeClr val="bg1"/>
+                </a:solidFill>
+              </a:rPr>
+              <a:t>.</a:t>
+            </a:r>
+            <a:r>
+              <a:rPr lang="ko-KR" altLang="en-US" sz="1400" smtClean="0">
+                <a:solidFill>
+                  <a:schemeClr val="bg1"/>
+                </a:solidFill>
+              </a:rPr>
+              <a:t>  </a:t>
+            </a:r>
+            <a:endParaRPr lang="en-US" altLang="ko-KR" sz="1400" smtClean="0">
+              <a:solidFill>
+                <a:schemeClr val="bg1"/>
+              </a:solidFill>
+            </a:endParaRPr>
+          </a:p>
+          <a:p>
+            <a:pPr>
+              <a:buFont typeface="Arial" pitchFamily="34" charset="0"/>
+              <a:buChar char="•"/>
+            </a:pPr>
+            <a:endParaRPr lang="en-US" altLang="ko-KR" sz="1400">
+              <a:solidFill>
+                <a:schemeClr val="bg1"/>
+              </a:solidFill>
+            </a:endParaRPr>
+          </a:p>
+          <a:p>
+            <a:pPr>
+              <a:buFont typeface="Arial" pitchFamily="34" charset="0"/>
+              <a:buChar char="•"/>
+            </a:pPr>
+            <a:r>
+              <a:rPr lang="en-US" altLang="ko-KR" sz="1400">
+                <a:solidFill>
+                  <a:schemeClr val="bg1"/>
+                </a:solidFill>
+              </a:rPr>
               <a:t> </a:t>
             </a:r>
             <a:r>
+              <a:rPr lang="ko-KR" altLang="en-US" sz="1400" smtClean="0">
+                <a:solidFill>
+                  <a:schemeClr val="bg1"/>
+                </a:solidFill>
+              </a:rPr>
+              <a:t>전체적으로 웹사이트의 디자인이 난잡하다</a:t>
+            </a:r>
+            <a:r>
               <a:rPr lang="en-US" altLang="ko-KR" sz="1400" smtClean="0">
                 <a:solidFill>
                   <a:schemeClr val="bg1"/>
                 </a:solidFill>
               </a:rPr>
-              <a:t>?</a:t>
+              <a:t>.</a:t>
             </a:r>
             <a:endParaRPr lang="ko-KR" altLang="en-US" sz="1400" dirty="0">
               <a:solidFill>
@@ -15135,11 +16243,11 @@
             </a:r>
             <a:r>
               <a:rPr lang="ko-KR" altLang="en-US" smtClean="0"/>
-              <a:t>정부</a:t>
+              <a:t>게임잡</a:t>
             </a:r>
             <a:r>
               <a:rPr lang="en-US" altLang="ko-KR" smtClean="0"/>
-              <a:t>24(gov.kr/)</a:t>
+              <a:t>(gamejob.co.kr)</a:t>
             </a:r>
             <a:endParaRPr lang="ko-KR" altLang="en-US"/>
           </a:p>
@@ -15147,7 +16255,7 @@
       </p:sp>
       <p:pic>
         <p:nvPicPr>
-          <p:cNvPr id="4" name="그림 3"/>
+          <p:cNvPr id="3" name="그림 2"/>
           <p:cNvPicPr>
             <a:picLocks noChangeAspect="1"/>
           </p:cNvPicPr>
@@ -15167,8 +16275,8 @@
         </p:blipFill>
         <p:spPr>
           <a:xfrm>
-            <a:off x="1043608" y="1304764"/>
-            <a:ext cx="7200800" cy="4500500"/>
+            <a:off x="683568" y="1268759"/>
+            <a:ext cx="7956376" cy="4972735"/>
           </a:xfrm>
           <a:prstGeom prst="rect">
             <a:avLst/>
@@ -15232,16 +16340,16 @@
               <a:t>디자인리서치 </a:t>
             </a:r>
             <a:r>
-              <a:rPr lang="en-US" altLang="ko-KR" smtClean="0"/>
+              <a:rPr lang="en-US" altLang="ko-KR"/>
               <a:t>– </a:t>
             </a:r>
             <a:r>
-              <a:rPr lang="ko-KR" altLang="en-US" smtClean="0"/>
-              <a:t>정부</a:t>
-            </a:r>
-            <a:r>
-              <a:rPr lang="en-US" altLang="ko-KR" smtClean="0"/>
-              <a:t>24(gov.kr/)</a:t>
+              <a:rPr lang="ko-KR" altLang="en-US"/>
+              <a:t>게임잡</a:t>
+            </a:r>
+            <a:r>
+              <a:rPr lang="en-US" altLang="ko-KR"/>
+              <a:t>(gamejob.co.kr)</a:t>
             </a:r>
             <a:endParaRPr lang="ko-KR" altLang="en-US"/>
           </a:p>
@@ -15256,7 +16364,7 @@
         <p:spPr>
           <a:xfrm>
             <a:off x="971600" y="2348880"/>
-            <a:ext cx="3714776" cy="307777"/>
+            <a:ext cx="7344816" cy="738664"/>
           </a:xfrm>
           <a:prstGeom prst="rect">
             <a:avLst/>
@@ -15282,15 +16390,96 @@
                   <a:schemeClr val="bg1"/>
                 </a:solidFill>
               </a:rPr>
+              <a:t> 웹사이트의 용도가 뚜렷하고</a:t>
+            </a:r>
+            <a:r>
+              <a:rPr lang="en-US" altLang="ko-KR" sz="1400" smtClean="0">
+                <a:solidFill>
+                  <a:schemeClr val="bg1"/>
+                </a:solidFill>
+              </a:rPr>
+              <a:t>, </a:t>
+            </a:r>
+            <a:r>
+              <a:rPr lang="ko-KR" altLang="en-US" sz="1400" smtClean="0">
+                <a:solidFill>
+                  <a:schemeClr val="bg1"/>
+                </a:solidFill>
+              </a:rPr>
+              <a:t>직접적으로 드러난다</a:t>
+            </a:r>
+            <a:r>
+              <a:rPr lang="en-US" altLang="ko-KR" sz="1400" smtClean="0">
+                <a:solidFill>
+                  <a:schemeClr val="bg1"/>
+                </a:solidFill>
+              </a:rPr>
+              <a:t>.</a:t>
+            </a:r>
+          </a:p>
+          <a:p>
+            <a:pPr>
+              <a:buFont typeface="Arial" pitchFamily="34" charset="0"/>
+              <a:buChar char="•"/>
+            </a:pPr>
+            <a:endParaRPr lang="en-US" altLang="ko-KR" sz="1400" smtClean="0">
+              <a:solidFill>
+                <a:schemeClr val="bg1"/>
+              </a:solidFill>
+            </a:endParaRPr>
+          </a:p>
+          <a:p>
+            <a:pPr>
+              <a:buFont typeface="Arial" pitchFamily="34" charset="0"/>
+              <a:buChar char="•"/>
+            </a:pPr>
+            <a:r>
+              <a:rPr lang="en-US" altLang="ko-KR" sz="1400" smtClean="0">
+                <a:solidFill>
+                  <a:schemeClr val="bg1"/>
+                </a:solidFill>
+              </a:rPr>
               <a:t> </a:t>
             </a:r>
             <a:r>
+              <a:rPr lang="ko-KR" altLang="en-US" sz="1400" smtClean="0">
+                <a:solidFill>
+                  <a:schemeClr val="bg1"/>
+                </a:solidFill>
+              </a:rPr>
+              <a:t>웹사이트의 목록들이 </a:t>
+            </a:r>
+            <a:r>
+              <a:rPr lang="ko-KR" altLang="en-US" sz="1400">
+                <a:solidFill>
+                  <a:schemeClr val="bg1"/>
+                </a:solidFill>
+              </a:rPr>
+              <a:t>심플하게 </a:t>
+            </a:r>
+            <a:r>
+              <a:rPr lang="ko-KR" altLang="en-US" sz="1400">
+                <a:solidFill>
+                  <a:schemeClr val="bg1"/>
+                </a:solidFill>
+              </a:rPr>
+              <a:t>잘 </a:t>
+            </a:r>
+            <a:r>
+              <a:rPr lang="ko-KR" altLang="en-US" sz="1400" smtClean="0">
+                <a:solidFill>
+                  <a:schemeClr val="bg1"/>
+                </a:solidFill>
+              </a:rPr>
+              <a:t>구현되었다</a:t>
+            </a:r>
+            <a:r>
               <a:rPr lang="en-US" altLang="ko-KR" sz="1400" smtClean="0">
                 <a:solidFill>
                   <a:schemeClr val="bg1"/>
                 </a:solidFill>
               </a:rPr>
-              <a:t>?</a:t>
+              <a:t>.</a:t>
             </a:r>
             <a:endParaRPr lang="ko-KR" altLang="en-US" sz="1400" dirty="0">
               <a:solidFill>
@@ -15430,12 +16619,12 @@
               <a:t> </a:t>
             </a:r>
             <a:r>
-              <a:rPr lang="en-US" altLang="ko-KR" sz="1400" smtClean="0">
-                <a:solidFill>
-                  <a:schemeClr val="bg1"/>
-                </a:solidFill>
-              </a:rPr>
-              <a:t>?</a:t>
+              <a:rPr lang="en-US" altLang="ko-KR" sz="1400">
+                <a:solidFill>
+                  <a:schemeClr val="bg1"/>
+                </a:solidFill>
+              </a:rPr>
+              <a:t> </a:t>
             </a:r>
             <a:endParaRPr lang="ko-KR" altLang="en-US" sz="1400" dirty="0">
               <a:solidFill>
@@ -16829,11 +18018,6 @@
               </a:rPr>
               <a:t>)</a:t>
             </a:r>
-            <a:endParaRPr lang="en-US" altLang="ko-KR" smtClean="0">
-              <a:solidFill>
-                <a:schemeClr val="bg1"/>
-              </a:solidFill>
-            </a:endParaRPr>
           </a:p>
           <a:p>
             <a:endParaRPr lang="en-US" altLang="ko-KR" sz="4800" dirty="0">
